--- a/10_testing_techniques.pptx
+++ b/10_testing_techniques.pptx
@@ -4127,7 +4127,7 @@
         <p:spPr>
           <a:xfrm>
             <a:off x="685800" y="2130480"/>
-            <a:ext cx="7770240" cy="1467720"/>
+            <a:ext cx="7769880" cy="1467360"/>
           </a:xfrm>
           <a:prstGeom prst="rect">
             <a:avLst/>
@@ -4174,7 +4174,7 @@
         <p:spPr>
           <a:xfrm>
             <a:off x="1371600" y="3886200"/>
-            <a:ext cx="6398640" cy="1750320"/>
+            <a:ext cx="6398280" cy="1749960"/>
           </a:xfrm>
           <a:prstGeom prst="rect">
             <a:avLst/>
@@ -4270,7 +4270,7 @@
         <p:spPr>
           <a:xfrm>
             <a:off x="838080" y="685800"/>
-            <a:ext cx="8227440" cy="1140840"/>
+            <a:ext cx="8227080" cy="1140480"/>
           </a:xfrm>
           <a:prstGeom prst="rect">
             <a:avLst/>
@@ -4317,7 +4317,7 @@
         <p:spPr>
           <a:xfrm>
             <a:off x="762120" y="1676520"/>
-            <a:ext cx="7846560" cy="4523760"/>
+            <a:ext cx="7846200" cy="4523400"/>
           </a:xfrm>
           <a:prstGeom prst="rect">
             <a:avLst/>
@@ -4342,7 +4342,7 @@
               </a:lnSpc>
               <a:buSzPct val="45000"/>
               <a:buFont typeface="StarSymbol"/>
-              <a:buChar char=""/>
+              <a:buChar char="l"/>
             </a:pPr>
             <a:r>
               <a:rPr lang="en-GB" sz="3200" strike="noStrike">
@@ -4363,7 +4363,7 @@
               </a:lnSpc>
               <a:buSzPct val="45000"/>
               <a:buFont typeface="StarSymbol"/>
-              <a:buChar char=""/>
+              <a:buChar char="l"/>
             </a:pPr>
             <a:r>
               <a:rPr lang="en-GB" sz="3200" strike="noStrike">
@@ -4391,8 +4391,8 @@
         </p:blipFill>
         <p:spPr>
           <a:xfrm>
-            <a:off x="5328000" y="2808000"/>
-            <a:ext cx="3796560" cy="4012560"/>
+            <a:off x="6552000" y="3744000"/>
+            <a:ext cx="2572200" cy="3076200"/>
           </a:xfrm>
           <a:prstGeom prst="rect">
             <a:avLst/>
@@ -4460,7 +4460,7 @@
         <p:spPr>
           <a:xfrm>
             <a:off x="838080" y="685800"/>
-            <a:ext cx="8227440" cy="1140840"/>
+            <a:ext cx="8227080" cy="1140480"/>
           </a:xfrm>
           <a:prstGeom prst="rect">
             <a:avLst/>
@@ -4507,7 +4507,7 @@
         <p:spPr>
           <a:xfrm>
             <a:off x="762120" y="1676520"/>
-            <a:ext cx="7846560" cy="4523760"/>
+            <a:ext cx="7846200" cy="4523400"/>
           </a:xfrm>
           <a:prstGeom prst="rect">
             <a:avLst/>
@@ -4550,7 +4550,7 @@
               </a:lnSpc>
               <a:buSzPct val="45000"/>
               <a:buFont typeface="StarSymbol"/>
-              <a:buChar char=""/>
+              <a:buChar char="l"/>
             </a:pPr>
             <a:r>
               <a:rPr lang="en-GB" sz="3200" strike="noStrike">
@@ -4571,7 +4571,7 @@
               </a:lnSpc>
               <a:buSzPct val="45000"/>
               <a:buFont typeface="StarSymbol"/>
-              <a:buChar char=""/>
+              <a:buChar char="l"/>
             </a:pPr>
             <a:r>
               <a:rPr lang="en-GB" sz="3200" strike="noStrike">
@@ -4645,7 +4645,7 @@
         <p:spPr>
           <a:xfrm>
             <a:off x="838080" y="685800"/>
-            <a:ext cx="8227440" cy="1140840"/>
+            <a:ext cx="8227080" cy="1140480"/>
           </a:xfrm>
           <a:prstGeom prst="rect">
             <a:avLst/>
@@ -4692,7 +4692,7 @@
         <p:spPr>
           <a:xfrm>
             <a:off x="762120" y="1676520"/>
-            <a:ext cx="7846560" cy="4523760"/>
+            <a:ext cx="7846200" cy="4523400"/>
           </a:xfrm>
           <a:prstGeom prst="rect">
             <a:avLst/>
@@ -4717,7 +4717,7 @@
               </a:lnSpc>
               <a:buSzPct val="45000"/>
               <a:buFont typeface="StarSymbol"/>
-              <a:buChar char=""/>
+              <a:buChar char="l"/>
             </a:pPr>
             <a:r>
               <a:rPr lang="en-GB" sz="3200" strike="noStrike">
@@ -4738,7 +4738,7 @@
               </a:lnSpc>
               <a:buSzPct val="45000"/>
               <a:buFont typeface="StarSymbol"/>
-              <a:buChar char=""/>
+              <a:buChar char="l"/>
             </a:pPr>
             <a:r>
               <a:rPr lang="en-GB" sz="3200" strike="noStrike">
@@ -4767,7 +4767,7 @@
         <p:spPr>
           <a:xfrm>
             <a:off x="1723320" y="4608000"/>
-            <a:ext cx="5476680" cy="2238120"/>
+            <a:ext cx="5476320" cy="2237760"/>
           </a:xfrm>
           <a:prstGeom prst="rect">
             <a:avLst/>
@@ -4835,7 +4835,7 @@
         <p:spPr>
           <a:xfrm>
             <a:off x="838080" y="685800"/>
-            <a:ext cx="8227440" cy="1140840"/>
+            <a:ext cx="8227080" cy="1140480"/>
           </a:xfrm>
           <a:prstGeom prst="rect">
             <a:avLst/>
@@ -4882,7 +4882,7 @@
         <p:spPr>
           <a:xfrm>
             <a:off x="762120" y="1676520"/>
-            <a:ext cx="7846560" cy="4523760"/>
+            <a:ext cx="7846200" cy="4523400"/>
           </a:xfrm>
           <a:prstGeom prst="rect">
             <a:avLst/>
@@ -4907,7 +4907,7 @@
               </a:lnSpc>
               <a:buSzPct val="45000"/>
               <a:buFont typeface="StarSymbol"/>
-              <a:buChar char=""/>
+              <a:buChar char="l"/>
             </a:pPr>
             <a:r>
               <a:rPr lang="en-GB" sz="3200" strike="noStrike">
@@ -4928,7 +4928,7 @@
               </a:lnSpc>
               <a:buSzPct val="45000"/>
               <a:buFont typeface="StarSymbol"/>
-              <a:buChar char=""/>
+              <a:buChar char="l"/>
             </a:pPr>
             <a:r>
               <a:rPr lang="en-GB" sz="3200" strike="noStrike">
@@ -4957,7 +4957,7 @@
         <p:spPr>
           <a:xfrm>
             <a:off x="1723320" y="4608000"/>
-            <a:ext cx="5476680" cy="2238120"/>
+            <a:ext cx="5476320" cy="2237760"/>
           </a:xfrm>
           <a:prstGeom prst="rect">
             <a:avLst/>
@@ -5025,7 +5025,7 @@
         <p:spPr>
           <a:xfrm>
             <a:off x="838080" y="685800"/>
-            <a:ext cx="8227440" cy="1140840"/>
+            <a:ext cx="8227080" cy="1140480"/>
           </a:xfrm>
           <a:prstGeom prst="rect">
             <a:avLst/>
@@ -5072,7 +5072,7 @@
         <p:spPr>
           <a:xfrm>
             <a:off x="762120" y="1676520"/>
-            <a:ext cx="7846560" cy="4523760"/>
+            <a:ext cx="7846200" cy="4523400"/>
           </a:xfrm>
           <a:prstGeom prst="rect">
             <a:avLst/>
@@ -5097,7 +5097,7 @@
               </a:lnSpc>
               <a:buSzPct val="45000"/>
               <a:buFont typeface="StarSymbol"/>
-              <a:buChar char=""/>
+              <a:buChar char="l"/>
             </a:pPr>
             <a:r>
               <a:rPr lang="en-GB" sz="3200" strike="noStrike">
@@ -5118,7 +5118,7 @@
               </a:lnSpc>
               <a:buSzPct val="45000"/>
               <a:buFont typeface="StarSymbol"/>
-              <a:buChar char=""/>
+              <a:buChar char="l"/>
             </a:pPr>
             <a:r>
               <a:rPr lang="en-GB" sz="3200" strike="noStrike">
@@ -5147,7 +5147,7 @@
         <p:spPr>
           <a:xfrm>
             <a:off x="1080000" y="4248000"/>
-            <a:ext cx="6801480" cy="2016000"/>
+            <a:ext cx="6801120" cy="2015640"/>
           </a:xfrm>
           <a:prstGeom prst="rect">
             <a:avLst/>
@@ -5215,7 +5215,7 @@
         <p:spPr>
           <a:xfrm>
             <a:off x="838080" y="685800"/>
-            <a:ext cx="8227440" cy="1140840"/>
+            <a:ext cx="8227080" cy="1140480"/>
           </a:xfrm>
           <a:prstGeom prst="rect">
             <a:avLst/>
@@ -5262,7 +5262,7 @@
         <p:spPr>
           <a:xfrm>
             <a:off x="762120" y="1676520"/>
-            <a:ext cx="7846560" cy="4523760"/>
+            <a:ext cx="7846200" cy="4523400"/>
           </a:xfrm>
           <a:prstGeom prst="rect">
             <a:avLst/>
@@ -5305,7 +5305,7 @@
               </a:lnSpc>
               <a:buSzPct val="45000"/>
               <a:buFont typeface="StarSymbol"/>
-              <a:buChar char=""/>
+              <a:buChar char="l"/>
             </a:pPr>
             <a:r>
               <a:rPr lang="en-GB" sz="3200" strike="noStrike">
@@ -5379,7 +5379,7 @@
         <p:spPr>
           <a:xfrm>
             <a:off x="838080" y="685800"/>
-            <a:ext cx="8227440" cy="1140840"/>
+            <a:ext cx="8227080" cy="1140480"/>
           </a:xfrm>
           <a:prstGeom prst="rect">
             <a:avLst/>
@@ -5426,7 +5426,7 @@
         <p:spPr>
           <a:xfrm>
             <a:off x="762120" y="1676520"/>
-            <a:ext cx="7846560" cy="4523760"/>
+            <a:ext cx="7846200" cy="4523400"/>
           </a:xfrm>
           <a:prstGeom prst="rect">
             <a:avLst/>
@@ -5469,7 +5469,7 @@
               </a:lnSpc>
               <a:buSzPct val="45000"/>
               <a:buFont typeface="StarSymbol"/>
-              <a:buChar char=""/>
+              <a:buChar char="l"/>
             </a:pPr>
             <a:r>
               <a:rPr lang="en-GB" sz="3200" strike="noStrike">
@@ -5490,7 +5490,7 @@
               </a:lnSpc>
               <a:buSzPct val="45000"/>
               <a:buFont typeface="StarSymbol"/>
-              <a:buChar char=""/>
+              <a:buChar char="l"/>
             </a:pPr>
             <a:r>
               <a:rPr lang="en-GB" sz="3200" strike="noStrike">
@@ -5511,7 +5511,7 @@
               </a:lnSpc>
               <a:buSzPct val="45000"/>
               <a:buFont typeface="StarSymbol"/>
-              <a:buChar char=""/>
+              <a:buChar char="l"/>
             </a:pPr>
             <a:r>
               <a:rPr lang="en-GB" sz="3200" strike="noStrike">
@@ -5585,7 +5585,7 @@
         <p:spPr>
           <a:xfrm>
             <a:off x="838080" y="685800"/>
-            <a:ext cx="8227440" cy="1140840"/>
+            <a:ext cx="8227080" cy="1140480"/>
           </a:xfrm>
           <a:prstGeom prst="rect">
             <a:avLst/>
@@ -5632,7 +5632,7 @@
         <p:spPr>
           <a:xfrm>
             <a:off x="762120" y="1676520"/>
-            <a:ext cx="7846560" cy="4523760"/>
+            <a:ext cx="7846200" cy="4523400"/>
           </a:xfrm>
           <a:prstGeom prst="rect">
             <a:avLst/>
@@ -5675,7 +5675,7 @@
               </a:lnSpc>
               <a:buSzPct val="45000"/>
               <a:buFont typeface="StarSymbol"/>
-              <a:buChar char=""/>
+              <a:buChar char="l"/>
             </a:pPr>
             <a:r>
               <a:rPr lang="en-GB" sz="3200" strike="noStrike">
@@ -5696,7 +5696,7 @@
               </a:lnSpc>
               <a:buSzPct val="45000"/>
               <a:buFont typeface="StarSymbol"/>
-              <a:buChar char=""/>
+              <a:buChar char="l"/>
             </a:pPr>
             <a:r>
               <a:rPr lang="en-GB" sz="3200" strike="noStrike">
@@ -5717,7 +5717,7 @@
               </a:lnSpc>
               <a:buSzPct val="45000"/>
               <a:buFont typeface="StarSymbol"/>
-              <a:buChar char=""/>
+              <a:buChar char="l"/>
             </a:pPr>
             <a:r>
               <a:rPr lang="en-GB" sz="3200" strike="noStrike">
@@ -5746,7 +5746,7 @@
         <p:spPr>
           <a:xfrm>
             <a:off x="5976000" y="4680000"/>
-            <a:ext cx="3007440" cy="2103120"/>
+            <a:ext cx="3007080" cy="2102760"/>
           </a:xfrm>
           <a:prstGeom prst="rect">
             <a:avLst/>
@@ -5814,7 +5814,7 @@
         <p:spPr>
           <a:xfrm>
             <a:off x="838080" y="685800"/>
-            <a:ext cx="8227440" cy="1140840"/>
+            <a:ext cx="8227080" cy="1140480"/>
           </a:xfrm>
           <a:prstGeom prst="rect">
             <a:avLst/>
@@ -5861,7 +5861,7 @@
         <p:spPr>
           <a:xfrm>
             <a:off x="762120" y="1676520"/>
-            <a:ext cx="7846560" cy="4523760"/>
+            <a:ext cx="7846200" cy="4523400"/>
           </a:xfrm>
           <a:prstGeom prst="rect">
             <a:avLst/>
@@ -5904,7 +5904,7 @@
               </a:lnSpc>
               <a:buSzPct val="45000"/>
               <a:buFont typeface="StarSymbol"/>
-              <a:buChar char=""/>
+              <a:buChar char="l"/>
             </a:pPr>
             <a:r>
               <a:rPr lang="en-GB" sz="3200" strike="noStrike">
@@ -5925,7 +5925,7 @@
               </a:lnSpc>
               <a:buSzPct val="45000"/>
               <a:buFont typeface="StarSymbol"/>
-              <a:buChar char=""/>
+              <a:buChar char="l"/>
             </a:pPr>
             <a:r>
               <a:rPr lang="en-GB" sz="3200" strike="noStrike">
@@ -5946,7 +5946,7 @@
               </a:lnSpc>
               <a:buSzPct val="45000"/>
               <a:buFont typeface="StarSymbol"/>
-              <a:buChar char=""/>
+              <a:buChar char="l"/>
             </a:pPr>
             <a:r>
               <a:rPr lang="en-GB" sz="3200" strike="noStrike">
@@ -6020,7 +6020,7 @@
         <p:spPr>
           <a:xfrm>
             <a:off x="838080" y="685800"/>
-            <a:ext cx="8227440" cy="1140840"/>
+            <a:ext cx="8227080" cy="1140480"/>
           </a:xfrm>
           <a:prstGeom prst="rect">
             <a:avLst/>
@@ -6067,7 +6067,7 @@
         <p:spPr>
           <a:xfrm>
             <a:off x="648000" y="3960000"/>
-            <a:ext cx="7846560" cy="2304000"/>
+            <a:ext cx="7846200" cy="2303640"/>
           </a:xfrm>
           <a:prstGeom prst="rect">
             <a:avLst/>
@@ -6097,7 +6097,7 @@
         <p:spPr>
           <a:xfrm>
             <a:off x="564840" y="1584000"/>
-            <a:ext cx="4619160" cy="3742920"/>
+            <a:ext cx="4618800" cy="3742560"/>
           </a:xfrm>
           <a:prstGeom prst="rect">
             <a:avLst/>
@@ -6109,14 +6109,14 @@
       </p:pic>
       <p:sp>
         <p:nvSpPr>
-          <p:cNvPr id="155" name="TextShape 3"/>
-          <p:cNvSpPr txBox="1"/>
+          <p:cNvPr id="155" name="CustomShape 3"/>
+          <p:cNvSpPr/>
           <p:nvPr/>
         </p:nvSpPr>
         <p:spPr>
           <a:xfrm>
             <a:off x="5256000" y="1584000"/>
-            <a:ext cx="3816000" cy="5184000"/>
+            <a:ext cx="3815640" cy="5183640"/>
           </a:xfrm>
           <a:prstGeom prst="rect">
             <a:avLst/>
@@ -6126,6 +6126,12 @@
             <a:noFill/>
           </a:ln>
         </p:spPr>
+        <p:style>
+          <a:lnRef idx="0"/>
+          <a:fillRef idx="0"/>
+          <a:effectRef idx="0"/>
+          <a:fontRef idx="minor"/>
+        </p:style>
         <p:txBody>
           <a:bodyPr lIns="90000" rIns="90000" tIns="45000" bIns="45000"/>
           <a:p>
@@ -6135,7 +6141,7 @@
               </a:lnSpc>
               <a:buSzPct val="45000"/>
               <a:buFont typeface="StarSymbol"/>
-              <a:buChar char=""/>
+              <a:buChar char="l"/>
             </a:pPr>
             <a:r>
               <a:rPr lang="en-GB" sz="3200" strike="noStrike">
@@ -6156,7 +6162,7 @@
               </a:lnSpc>
               <a:buSzPct val="45000"/>
               <a:buFont typeface="StarSymbol"/>
-              <a:buChar char=""/>
+              <a:buChar char="l"/>
             </a:pPr>
             <a:r>
               <a:rPr lang="en-GB" sz="3200" strike="noStrike">
@@ -6230,7 +6236,7 @@
         <p:spPr>
           <a:xfrm>
             <a:off x="838080" y="685800"/>
-            <a:ext cx="8227440" cy="1140840"/>
+            <a:ext cx="8227080" cy="1140480"/>
           </a:xfrm>
           <a:prstGeom prst="rect">
             <a:avLst/>
@@ -6277,7 +6283,7 @@
         <p:spPr>
           <a:xfrm>
             <a:off x="762120" y="1676520"/>
-            <a:ext cx="7846560" cy="4523760"/>
+            <a:ext cx="7846200" cy="4523400"/>
           </a:xfrm>
           <a:prstGeom prst="rect">
             <a:avLst/>
@@ -6302,7 +6308,7 @@
               </a:lnSpc>
               <a:buSzPct val="45000"/>
               <a:buFont typeface="StarSymbol"/>
-              <a:buChar char=""/>
+              <a:buChar char="l"/>
             </a:pPr>
             <a:r>
               <a:rPr lang="en-GB" sz="3200" strike="noStrike">
@@ -6323,7 +6329,7 @@
               </a:lnSpc>
               <a:buSzPct val="45000"/>
               <a:buFont typeface="StarSymbol"/>
-              <a:buChar char=""/>
+              <a:buChar char="l"/>
             </a:pPr>
             <a:r>
               <a:rPr lang="en-GB" sz="3200" strike="noStrike">
@@ -6333,7 +6339,7 @@
                 <a:latin typeface="Calibri"/>
                 <a:ea typeface="DejaVu Sans"/>
               </a:rPr>
-              <a:t>Test Case – създава се с цел, да се проерят определени обекти и събития. Съдържа:</a:t>
+              <a:t>Test Case – създава се с цел, да се провери определен обект и събитие. Съдържа:</a:t>
             </a:r>
             <a:endParaRPr/>
           </a:p>
@@ -6344,7 +6350,7 @@
               </a:lnSpc>
               <a:buSzPct val="45000"/>
               <a:buFont typeface="StarSymbol"/>
-              <a:buChar char=""/>
+              <a:buChar char="l"/>
             </a:pPr>
             <a:r>
               <a:rPr lang="en-GB" sz="3200" strike="noStrike">
@@ -6365,7 +6371,7 @@
               </a:lnSpc>
               <a:buSzPct val="45000"/>
               <a:buFont typeface="StarSymbol"/>
-              <a:buChar char=""/>
+              <a:buChar char="l"/>
             </a:pPr>
             <a:r>
               <a:rPr lang="en-GB" sz="3200" strike="noStrike">
@@ -6394,7 +6400,7 @@
         <p:spPr>
           <a:xfrm>
             <a:off x="5472000" y="4752000"/>
-            <a:ext cx="3312000" cy="1872000"/>
+            <a:ext cx="3311640" cy="1871640"/>
           </a:xfrm>
           <a:prstGeom prst="rect">
             <a:avLst/>
@@ -6462,7 +6468,7 @@
         <p:spPr>
           <a:xfrm>
             <a:off x="838080" y="685800"/>
-            <a:ext cx="8227440" cy="1140840"/>
+            <a:ext cx="8227080" cy="1140480"/>
           </a:xfrm>
           <a:prstGeom prst="rect">
             <a:avLst/>
@@ -6509,7 +6515,7 @@
         <p:spPr>
           <a:xfrm>
             <a:off x="762120" y="1676520"/>
-            <a:ext cx="7846560" cy="4523760"/>
+            <a:ext cx="7846200" cy="4523400"/>
           </a:xfrm>
           <a:prstGeom prst="rect">
             <a:avLst/>
@@ -6534,7 +6540,7 @@
               </a:lnSpc>
               <a:buSzPct val="45000"/>
               <a:buFont typeface="StarSymbol"/>
-              <a:buChar char=""/>
+              <a:buChar char="l"/>
             </a:pPr>
             <a:r>
               <a:rPr lang="en-GB" sz="3200" strike="noStrike">
@@ -6555,7 +6561,7 @@
               </a:lnSpc>
               <a:buSzPct val="45000"/>
               <a:buFont typeface="StarSymbol"/>
-              <a:buChar char=""/>
+              <a:buChar char="l"/>
             </a:pPr>
             <a:r>
               <a:rPr lang="en-GB" sz="3200" strike="noStrike">
@@ -6576,7 +6582,7 @@
               </a:lnSpc>
               <a:buSzPct val="45000"/>
               <a:buFont typeface="StarSymbol"/>
-              <a:buChar char=""/>
+              <a:buChar char="l"/>
             </a:pPr>
             <a:r>
               <a:rPr lang="en-GB" sz="3200" strike="noStrike">
@@ -6597,7 +6603,7 @@
               </a:lnSpc>
               <a:buSzPct val="45000"/>
               <a:buFont typeface="StarSymbol"/>
-              <a:buChar char=""/>
+              <a:buChar char="l"/>
             </a:pPr>
             <a:r>
               <a:rPr lang="en-GB" sz="3200" strike="noStrike">
@@ -6618,7 +6624,7 @@
               </a:lnSpc>
               <a:buSzPct val="45000"/>
               <a:buFont typeface="StarSymbol"/>
-              <a:buChar char=""/>
+              <a:buChar char="l"/>
             </a:pPr>
             <a:r>
               <a:rPr lang="en-GB" sz="3200" strike="noStrike">
@@ -6692,7 +6698,7 @@
         <p:spPr>
           <a:xfrm>
             <a:off x="838080" y="685800"/>
-            <a:ext cx="8227440" cy="1140840"/>
+            <a:ext cx="8227080" cy="1140480"/>
           </a:xfrm>
           <a:prstGeom prst="rect">
             <a:avLst/>
@@ -6739,7 +6745,7 @@
         <p:spPr>
           <a:xfrm>
             <a:off x="762120" y="1676520"/>
-            <a:ext cx="7617960" cy="4523760"/>
+            <a:ext cx="7617600" cy="4523400"/>
           </a:xfrm>
           <a:prstGeom prst="rect">
             <a:avLst/>
@@ -6804,7 +6810,7 @@
         <p:spPr>
           <a:xfrm>
             <a:off x="3505320" y="2057400"/>
-            <a:ext cx="2417040" cy="2417040"/>
+            <a:ext cx="2416680" cy="2416680"/>
           </a:xfrm>
           <a:prstGeom prst="rect">
             <a:avLst/>
@@ -6872,7 +6878,7 @@
         <p:spPr>
           <a:xfrm>
             <a:off x="838080" y="685800"/>
-            <a:ext cx="8227440" cy="1140840"/>
+            <a:ext cx="8227080" cy="1140480"/>
           </a:xfrm>
           <a:prstGeom prst="rect">
             <a:avLst/>
@@ -6919,7 +6925,7 @@
         <p:spPr>
           <a:xfrm>
             <a:off x="762120" y="1676520"/>
-            <a:ext cx="7846560" cy="4523760"/>
+            <a:ext cx="7846200" cy="4523400"/>
           </a:xfrm>
           <a:prstGeom prst="rect">
             <a:avLst/>
@@ -6951,17 +6957,7 @@
                 <a:latin typeface="Calibri"/>
                 <a:ea typeface="DejaVu Sans"/>
               </a:rPr>
-              <a:t>Напишете тест кейси за тестването на регистрационна форма </a:t>
-            </a:r>
-            <a:r>
-              <a:rPr lang="en-GB" sz="3200" strike="noStrike">
-                <a:solidFill>
-                  <a:srgbClr val="f2f2f2"/>
-                </a:solidFill>
-                <a:latin typeface="Calibri"/>
-                <a:ea typeface="DejaVu Sans"/>
-              </a:rPr>
-              <a:t>http://qa.soft-intellect.com/register-form/</a:t>
+              <a:t>Напишете тест кейси за тестването на регистрационна форма http://qa.soft-intellect.com/register-form/</a:t>
             </a:r>
             <a:endParaRPr/>
           </a:p>
@@ -7061,7 +7057,7 @@
         <p:spPr>
           <a:xfrm>
             <a:off x="838080" y="685800"/>
-            <a:ext cx="8227440" cy="1140840"/>
+            <a:ext cx="8227080" cy="1140480"/>
           </a:xfrm>
           <a:prstGeom prst="rect">
             <a:avLst/>
@@ -7108,7 +7104,7 @@
         <p:spPr>
           <a:xfrm>
             <a:off x="762120" y="1676520"/>
-            <a:ext cx="7846560" cy="4523760"/>
+            <a:ext cx="7846200" cy="4523400"/>
           </a:xfrm>
           <a:prstGeom prst="rect">
             <a:avLst/>
@@ -7133,7 +7129,7 @@
               </a:lnSpc>
               <a:buSzPct val="45000"/>
               <a:buFont typeface="StarSymbol"/>
-              <a:buChar char=""/>
+              <a:buChar char="l"/>
             </a:pPr>
             <a:r>
               <a:rPr lang="en-GB" sz="3200" strike="noStrike">
@@ -7154,7 +7150,7 @@
               </a:lnSpc>
               <a:buSzPct val="45000"/>
               <a:buFont typeface="StarSymbol"/>
-              <a:buChar char=""/>
+              <a:buChar char="l"/>
             </a:pPr>
             <a:r>
               <a:rPr lang="en-GB" sz="3200" strike="noStrike">
@@ -7175,7 +7171,7 @@
               </a:lnSpc>
               <a:buSzPct val="45000"/>
               <a:buFont typeface="StarSymbol"/>
-              <a:buChar char=""/>
+              <a:buChar char="l"/>
             </a:pPr>
             <a:r>
               <a:rPr lang="en-GB" sz="3200" strike="noStrike">
@@ -7196,7 +7192,7 @@
               </a:lnSpc>
               <a:buSzPct val="45000"/>
               <a:buFont typeface="StarSymbol"/>
-              <a:buChar char=""/>
+              <a:buChar char="l"/>
             </a:pPr>
             <a:r>
               <a:rPr lang="en-GB" sz="3200" strike="noStrike">
@@ -7270,7 +7266,7 @@
         <p:spPr>
           <a:xfrm>
             <a:off x="838080" y="685800"/>
-            <a:ext cx="8227440" cy="1140840"/>
+            <a:ext cx="8227080" cy="1140480"/>
           </a:xfrm>
           <a:prstGeom prst="rect">
             <a:avLst/>
@@ -7317,7 +7313,7 @@
         <p:spPr>
           <a:xfrm>
             <a:off x="762120" y="1676520"/>
-            <a:ext cx="7846560" cy="4523760"/>
+            <a:ext cx="7846200" cy="4523400"/>
           </a:xfrm>
           <a:prstGeom prst="rect">
             <a:avLst/>
@@ -7342,7 +7338,7 @@
               </a:lnSpc>
               <a:buSzPct val="45000"/>
               <a:buFont typeface="StarSymbol"/>
-              <a:buChar char=""/>
+              <a:buChar char="l"/>
             </a:pPr>
             <a:r>
               <a:rPr lang="en-GB" sz="3200" strike="noStrike">
@@ -7363,7 +7359,7 @@
               </a:lnSpc>
               <a:buSzPct val="45000"/>
               <a:buFont typeface="StarSymbol"/>
-              <a:buChar char=""/>
+              <a:buChar char="l"/>
             </a:pPr>
             <a:r>
               <a:rPr lang="en-GB" sz="3200" strike="noStrike">
@@ -7384,7 +7380,7 @@
               </a:lnSpc>
               <a:buSzPct val="45000"/>
               <a:buFont typeface="StarSymbol"/>
-              <a:buChar char=""/>
+              <a:buChar char="l"/>
             </a:pPr>
             <a:r>
               <a:rPr lang="en-GB" sz="3200" strike="noStrike">
@@ -7405,7 +7401,7 @@
               </a:lnSpc>
               <a:buSzPct val="45000"/>
               <a:buFont typeface="StarSymbol"/>
-              <a:buChar char=""/>
+              <a:buChar char="l"/>
             </a:pPr>
             <a:r>
               <a:rPr lang="en-GB" sz="3200" strike="noStrike">
@@ -7479,7 +7475,7 @@
         <p:spPr>
           <a:xfrm>
             <a:off x="838080" y="685800"/>
-            <a:ext cx="8227440" cy="1140840"/>
+            <a:ext cx="8227080" cy="1140480"/>
           </a:xfrm>
           <a:prstGeom prst="rect">
             <a:avLst/>
@@ -7526,7 +7522,7 @@
         <p:spPr>
           <a:xfrm>
             <a:off x="762120" y="1676520"/>
-            <a:ext cx="7846560" cy="4523760"/>
+            <a:ext cx="7846200" cy="4523400"/>
           </a:xfrm>
           <a:prstGeom prst="rect">
             <a:avLst/>
@@ -7556,7 +7552,7 @@
         <p:spPr>
           <a:xfrm>
             <a:off x="0" y="1814040"/>
-            <a:ext cx="9143640" cy="4593960"/>
+            <a:ext cx="9143280" cy="4593600"/>
           </a:xfrm>
           <a:prstGeom prst="rect">
             <a:avLst/>
@@ -7624,7 +7620,7 @@
         <p:spPr>
           <a:xfrm>
             <a:off x="838080" y="685800"/>
-            <a:ext cx="8227440" cy="1140840"/>
+            <a:ext cx="8227080" cy="1140480"/>
           </a:xfrm>
           <a:prstGeom prst="rect">
             <a:avLst/>
@@ -7671,7 +7667,7 @@
         <p:spPr>
           <a:xfrm>
             <a:off x="762120" y="1676520"/>
-            <a:ext cx="7846560" cy="4523760"/>
+            <a:ext cx="7846200" cy="4523400"/>
           </a:xfrm>
           <a:prstGeom prst="rect">
             <a:avLst/>
@@ -7696,7 +7692,7 @@
               </a:lnSpc>
               <a:buSzPct val="45000"/>
               <a:buFont typeface="StarSymbol"/>
-              <a:buChar char=""/>
+              <a:buChar char="l"/>
             </a:pPr>
             <a:r>
               <a:rPr lang="en-GB" sz="3200" strike="noStrike">
@@ -7717,7 +7713,7 @@
               </a:lnSpc>
               <a:buSzPct val="45000"/>
               <a:buFont typeface="StarSymbol"/>
-              <a:buChar char=""/>
+              <a:buChar char="l"/>
             </a:pPr>
             <a:r>
               <a:rPr lang="en-GB" sz="3200" strike="noStrike">
@@ -7801,7 +7797,7 @@
         <p:spPr>
           <a:xfrm>
             <a:off x="838080" y="685800"/>
-            <a:ext cx="8227440" cy="1140840"/>
+            <a:ext cx="8227080" cy="1140480"/>
           </a:xfrm>
           <a:prstGeom prst="rect">
             <a:avLst/>
@@ -7848,7 +7844,7 @@
         <p:spPr>
           <a:xfrm>
             <a:off x="762120" y="1676520"/>
-            <a:ext cx="7846560" cy="4523760"/>
+            <a:ext cx="7846200" cy="4523400"/>
           </a:xfrm>
           <a:prstGeom prst="rect">
             <a:avLst/>
@@ -7891,7 +7887,7 @@
               </a:lnSpc>
               <a:buSzPct val="45000"/>
               <a:buFont typeface="StarSymbol"/>
-              <a:buChar char=""/>
+              <a:buChar char="l"/>
             </a:pPr>
             <a:r>
               <a:rPr lang="en-GB" sz="3200" strike="noStrike">
@@ -7912,7 +7908,7 @@
               </a:lnSpc>
               <a:buSzPct val="45000"/>
               <a:buFont typeface="StarSymbol"/>
-              <a:buChar char=""/>
+              <a:buChar char="l"/>
             </a:pPr>
             <a:r>
               <a:rPr lang="en-GB" sz="3200" strike="noStrike">
@@ -7986,7 +7982,7 @@
         <p:spPr>
           <a:xfrm>
             <a:off x="838080" y="685800"/>
-            <a:ext cx="8227440" cy="1140840"/>
+            <a:ext cx="8227080" cy="1140480"/>
           </a:xfrm>
           <a:prstGeom prst="rect">
             <a:avLst/>
@@ -8033,7 +8029,7 @@
         <p:spPr>
           <a:xfrm>
             <a:off x="762120" y="1676520"/>
-            <a:ext cx="7846560" cy="4523760"/>
+            <a:ext cx="7846200" cy="4523400"/>
           </a:xfrm>
           <a:prstGeom prst="rect">
             <a:avLst/>
@@ -8058,7 +8054,7 @@
               </a:lnSpc>
               <a:buSzPct val="45000"/>
               <a:buFont typeface="StarSymbol"/>
-              <a:buChar char=""/>
+              <a:buChar char="l"/>
             </a:pPr>
             <a:r>
               <a:rPr lang="en-GB" sz="3200" strike="noStrike">
@@ -8079,7 +8075,7 @@
               </a:lnSpc>
               <a:buSzPct val="45000"/>
               <a:buFont typeface="StarSymbol"/>
-              <a:buChar char=""/>
+              <a:buChar char="l"/>
             </a:pPr>
             <a:r>
               <a:rPr lang="en-GB" sz="3200" strike="noStrike">
@@ -8100,7 +8096,7 @@
               </a:lnSpc>
               <a:buSzPct val="45000"/>
               <a:buFont typeface="StarSymbol"/>
-              <a:buChar char=""/>
+              <a:buChar char="l"/>
             </a:pPr>
             <a:r>
               <a:rPr lang="en-GB" sz="3200" strike="noStrike">
@@ -8174,7 +8170,7 @@
         <p:spPr>
           <a:xfrm>
             <a:off x="838080" y="685800"/>
-            <a:ext cx="8227440" cy="1140840"/>
+            <a:ext cx="8227080" cy="1140480"/>
           </a:xfrm>
           <a:prstGeom prst="rect">
             <a:avLst/>
@@ -8221,7 +8217,7 @@
         <p:spPr>
           <a:xfrm>
             <a:off x="762120" y="1676520"/>
-            <a:ext cx="7846560" cy="4523760"/>
+            <a:ext cx="7846200" cy="4523400"/>
           </a:xfrm>
           <a:prstGeom prst="rect">
             <a:avLst/>
@@ -8246,7 +8242,7 @@
               </a:lnSpc>
               <a:buSzPct val="45000"/>
               <a:buFont typeface="StarSymbol"/>
-              <a:buChar char=""/>
+              <a:buChar char="l"/>
             </a:pPr>
             <a:r>
               <a:rPr lang="en-GB" sz="3200" strike="noStrike">
@@ -8267,7 +8263,7 @@
               </a:lnSpc>
               <a:buSzPct val="45000"/>
               <a:buFont typeface="StarSymbol"/>
-              <a:buChar char=""/>
+              <a:buChar char="l"/>
             </a:pPr>
             <a:r>
               <a:rPr lang="en-GB" sz="3200" strike="noStrike">
@@ -8288,7 +8284,7 @@
               </a:lnSpc>
               <a:buSzPct val="45000"/>
               <a:buFont typeface="StarSymbol"/>
-              <a:buChar char=""/>
+              <a:buChar char="l"/>
             </a:pPr>
             <a:r>
               <a:rPr lang="en-GB" sz="3200" strike="noStrike">
@@ -8309,7 +8305,7 @@
               </a:lnSpc>
               <a:buSzPct val="45000"/>
               <a:buFont typeface="StarSymbol"/>
-              <a:buChar char=""/>
+              <a:buChar char="l"/>
             </a:pPr>
             <a:r>
               <a:rPr lang="en-GB" sz="3200" strike="noStrike">
@@ -8383,7 +8379,7 @@
         <p:spPr>
           <a:xfrm>
             <a:off x="838080" y="685800"/>
-            <a:ext cx="8227440" cy="1140840"/>
+            <a:ext cx="8227080" cy="1140480"/>
           </a:xfrm>
           <a:prstGeom prst="rect">
             <a:avLst/>
@@ -8430,7 +8426,7 @@
         <p:spPr>
           <a:xfrm>
             <a:off x="762120" y="1676520"/>
-            <a:ext cx="7846560" cy="4523760"/>
+            <a:ext cx="7846200" cy="4523400"/>
           </a:xfrm>
           <a:prstGeom prst="rect">
             <a:avLst/>
@@ -8455,7 +8451,7 @@
               </a:lnSpc>
               <a:buSzPct val="45000"/>
               <a:buFont typeface="StarSymbol"/>
-              <a:buChar char=""/>
+              <a:buChar char="l"/>
             </a:pPr>
             <a:r>
               <a:rPr lang="en-GB" sz="3200" strike="noStrike">
@@ -8465,8 +8461,19 @@
                 <a:latin typeface="Calibri"/>
                 <a:ea typeface="DejaVu Sans"/>
               </a:rPr>
-              <a:t>Black-box (Specification Based</a:t>
-            </a:r>
+              <a:t>Black-box (Specification Based) technique – начин за определяне на тестовите условия, тест кейси и тест данни:</a:t>
+            </a:r>
+            <a:endParaRPr/>
+          </a:p>
+          <a:p>
+            <a:pPr lvl="2">
+              <a:lnSpc>
+                <a:spcPct val="100000"/>
+              </a:lnSpc>
+              <a:buSzPct val="45000"/>
+              <a:buFont typeface="StarSymbol"/>
+              <a:buChar char="l"/>
+            </a:pPr>
             <a:r>
               <a:rPr lang="en-GB" sz="3200" strike="noStrike">
                 <a:solidFill>
@@ -8475,7 +8482,7 @@
                 <a:latin typeface="Calibri"/>
                 <a:ea typeface="DejaVu Sans"/>
               </a:rPr>
-              <a:t>) technique – начин за определяне на тестовите условия, тест кейси и тест данни:</a:t>
+              <a:t>Базира се на анализираната софтуерна документация.</a:t>
             </a:r>
             <a:endParaRPr/>
           </a:p>
@@ -8486,28 +8493,7 @@
               </a:lnSpc>
               <a:buSzPct val="45000"/>
               <a:buFont typeface="StarSymbol"/>
-              <a:buChar char=""/>
-            </a:pPr>
-            <a:r>
-              <a:rPr lang="en-GB" sz="3200" strike="noStrike">
-                <a:solidFill>
-                  <a:srgbClr val="f2f2f2"/>
-                </a:solidFill>
-                <a:latin typeface="Calibri"/>
-                <a:ea typeface="DejaVu Sans"/>
-              </a:rPr>
-              <a:t>Базира се на анализираната софтуерна документация.</a:t>
-            </a:r>
-            <a:endParaRPr/>
-          </a:p>
-          <a:p>
-            <a:pPr lvl="2">
-              <a:lnSpc>
-                <a:spcPct val="100000"/>
-              </a:lnSpc>
-              <a:buSzPct val="45000"/>
-              <a:buFont typeface="StarSymbol"/>
-              <a:buChar char=""/>
+              <a:buChar char="l"/>
             </a:pPr>
             <a:r>
               <a:rPr lang="en-GB" sz="3200" strike="noStrike">
@@ -8536,7 +8522,7 @@
         <p:spPr>
           <a:xfrm>
             <a:off x="4032000" y="5112000"/>
-            <a:ext cx="4387320" cy="1687680"/>
+            <a:ext cx="4386960" cy="1687320"/>
           </a:xfrm>
           <a:prstGeom prst="rect">
             <a:avLst/>
